--- a/Distributed Hash-breaker.pptx
+++ b/Distributed Hash-breaker.pptx
@@ -255,7 +255,7 @@
             <a:pPr rtl="0"/>
             <a:fld id="{EB190EFE-CCCB-4DCD-B1CF-8C3CB119D6FE}" type="datetime1">
               <a:rPr lang="it-IT" smtClean="0"/>
-              <a:t>10/12/2019</a:t>
+              <a:t>10/12/19</a:t>
             </a:fld>
             <a:endParaRPr lang="it-IT" dirty="0"/>
           </a:p>
@@ -436,7 +436,7 @@
             <a:fld id="{526AC070-77AE-44FC-B0C8-108B581F9765}" type="datetime1">
               <a:rPr lang="it-IT" noProof="0" smtClean="0"/>
               <a:pPr/>
-              <a:t>10/12/2019</a:t>
+              <a:t>10/12/19</a:t>
             </a:fld>
             <a:endParaRPr lang="it-IT" noProof="0" dirty="0"/>
           </a:p>
@@ -1546,7 +1546,7 @@
             <a:pPr rtl="0"/>
             <a:fld id="{73953276-A596-464E-8131-16FDC4642D35}" type="datetime1">
               <a:rPr lang="it-IT" noProof="0" smtClean="0"/>
-              <a:t>10/12/2019</a:t>
+              <a:t>10/12/19</a:t>
             </a:fld>
             <a:endParaRPr lang="it-IT" noProof="0" dirty="0"/>
           </a:p>
@@ -1750,7 +1750,7 @@
             <a:pPr rtl="0"/>
             <a:fld id="{59F66E3F-D06F-47DA-A95C-C846DE23F8C0}" type="datetime1">
               <a:rPr lang="it-IT" noProof="0" smtClean="0"/>
-              <a:t>10/12/2019</a:t>
+              <a:t>10/12/19</a:t>
             </a:fld>
             <a:endParaRPr lang="it-IT" noProof="0" dirty="0"/>
           </a:p>
@@ -1964,7 +1964,7 @@
             <a:pPr rtl="0"/>
             <a:fld id="{46FE6513-E3C7-4048-AC2F-41B0D1F6D895}" type="datetime1">
               <a:rPr lang="it-IT" noProof="0" smtClean="0"/>
-              <a:t>10/12/2019</a:t>
+              <a:t>10/12/19</a:t>
             </a:fld>
             <a:endParaRPr lang="it-IT" noProof="0" dirty="0"/>
           </a:p>
@@ -2168,7 +2168,7 @@
             <a:pPr rtl="0"/>
             <a:fld id="{4CA1E7DF-6F8F-47CE-8C70-53A994FBF180}" type="datetime1">
               <a:rPr lang="it-IT" noProof="0" smtClean="0"/>
-              <a:t>10/12/2019</a:t>
+              <a:t>10/12/19</a:t>
             </a:fld>
             <a:endParaRPr lang="it-IT" noProof="0" dirty="0"/>
           </a:p>
@@ -2448,7 +2448,7 @@
             <a:pPr rtl="0"/>
             <a:fld id="{2CFB8710-ABAB-4285-AF31-02779743E1F4}" type="datetime1">
               <a:rPr lang="it-IT" noProof="0" smtClean="0"/>
-              <a:t>10/12/2019</a:t>
+              <a:t>10/12/19</a:t>
             </a:fld>
             <a:endParaRPr lang="it-IT" noProof="0" dirty="0"/>
           </a:p>
@@ -2720,7 +2720,7 @@
             <a:pPr rtl="0"/>
             <a:fld id="{FE1FD3F1-0F70-4F3C-841E-3B4B1A9982AD}" type="datetime1">
               <a:rPr lang="it-IT" noProof="0" smtClean="0"/>
-              <a:t>10/12/2019</a:t>
+              <a:t>10/12/19</a:t>
             </a:fld>
             <a:endParaRPr lang="it-IT" noProof="0" dirty="0"/>
           </a:p>
@@ -3139,7 +3139,7 @@
             <a:pPr rtl="0"/>
             <a:fld id="{3195CD94-E959-4436-A899-6BFB5CD81E9E}" type="datetime1">
               <a:rPr lang="it-IT" noProof="0" smtClean="0"/>
-              <a:t>10/12/2019</a:t>
+              <a:t>10/12/19</a:t>
             </a:fld>
             <a:endParaRPr lang="it-IT" noProof="0" dirty="0"/>
           </a:p>
@@ -3285,7 +3285,7 @@
             <a:pPr rtl="0"/>
             <a:fld id="{327B0C7F-749B-466A-A38A-03B1C8A2F06C}" type="datetime1">
               <a:rPr lang="it-IT" noProof="0" smtClean="0"/>
-              <a:t>10/12/2019</a:t>
+              <a:t>10/12/19</a:t>
             </a:fld>
             <a:endParaRPr lang="it-IT" noProof="0" dirty="0"/>
           </a:p>
@@ -3401,7 +3401,7 @@
             <a:pPr rtl="0"/>
             <a:fld id="{DEC309BE-2E90-45F2-A626-98CE1308C9C4}" type="datetime1">
               <a:rPr lang="it-IT" noProof="0" smtClean="0"/>
-              <a:t>10/12/2019</a:t>
+              <a:t>10/12/19</a:t>
             </a:fld>
             <a:endParaRPr lang="it-IT" noProof="0" dirty="0"/>
           </a:p>
@@ -3718,7 +3718,7 @@
             <a:pPr rtl="0"/>
             <a:fld id="{D7D791A9-9A19-4C7D-9EDF-F6B9F670B73C}" type="datetime1">
               <a:rPr lang="it-IT" noProof="0" smtClean="0"/>
-              <a:t>10/12/2019</a:t>
+              <a:t>10/12/19</a:t>
             </a:fld>
             <a:endParaRPr lang="it-IT" noProof="0" dirty="0"/>
           </a:p>
@@ -4016,7 +4016,7 @@
             <a:pPr rtl="0"/>
             <a:fld id="{1C87147A-BE07-4D89-850F-642EAF1AAEA9}" type="datetime1">
               <a:rPr lang="it-IT" noProof="0" smtClean="0"/>
-              <a:t>10/12/2019</a:t>
+              <a:t>10/12/19</a:t>
             </a:fld>
             <a:endParaRPr lang="it-IT" noProof="0" dirty="0"/>
           </a:p>
@@ -4261,7 +4261,7 @@
             <a:pPr rtl="0"/>
             <a:fld id="{750AD8DE-E201-43F1-B9CB-48547493CA6A}" type="datetime1">
               <a:rPr lang="it-IT" noProof="0" smtClean="0"/>
-              <a:t>10/12/2019</a:t>
+              <a:t>10/12/19</a:t>
             </a:fld>
             <a:endParaRPr lang="it-IT" noProof="0" dirty="0"/>
           </a:p>
@@ -14385,7 +14385,7 @@
         <p:spPr>
           <a:xfrm>
             <a:off x="347955" y="4420731"/>
-            <a:ext cx="11496089" cy="2246769"/>
+            <a:ext cx="11496089" cy="1815882"/>
           </a:xfrm>
           <a:prstGeom prst="rect">
             <a:avLst/>
@@ -14502,7 +14502,15 @@
             </a:pPr>
             <a:r>
               <a:rPr lang="en-GB" sz="2800" dirty="0"/>
-              <a:t>It makes available an interface through which users can join the attack</a:t>
+              <a:t>It provides an </a:t>
+            </a:r>
+            <a:r>
+              <a:rPr lang="en-GB" sz="2800" b="1" dirty="0"/>
+              <a:t>interface</a:t>
+            </a:r>
+            <a:r>
+              <a:rPr lang="en-GB" sz="2800" dirty="0"/>
+              <a:t> through which users can join the attack</a:t>
             </a:r>
           </a:p>
           <a:p>
@@ -14512,7 +14520,23 @@
             </a:pPr>
             <a:r>
               <a:rPr lang="en-GB" sz="2800" dirty="0"/>
-              <a:t>At the server side, administrator can set the plaintext to break and monitor the attack progress over time</a:t>
+              <a:t>The administrator can </a:t>
+            </a:r>
+            <a:r>
+              <a:rPr lang="en-GB" sz="2800" b="1" dirty="0"/>
+              <a:t>plan the attack </a:t>
+            </a:r>
+            <a:r>
+              <a:rPr lang="en-GB" sz="2800" dirty="0"/>
+              <a:t>and see the </a:t>
+            </a:r>
+            <a:r>
+              <a:rPr lang="en-GB" sz="2800" b="1" dirty="0"/>
+              <a:t>attack progress</a:t>
+            </a:r>
+            <a:r>
+              <a:rPr lang="en-GB" sz="2800" dirty="0"/>
+              <a:t> </a:t>
             </a:r>
           </a:p>
         </p:txBody>
@@ -14884,7 +14908,7 @@
             </a:r>
             <a:r>
               <a:rPr lang="it-IT" sz="2800" dirty="0"/>
-              <a:t> </a:t>
+              <a:t> the </a:t>
             </a:r>
             <a:r>
               <a:rPr lang="it-IT" sz="2800" dirty="0" err="1"/>

--- a/Distributed Hash-breaker.pptx
+++ b/Distributed Hash-breaker.pptx
@@ -4716,7 +4716,7 @@
         </p:nvSpPr>
         <p:spPr>
           <a:xfrm>
-            <a:off x="1" y="4376036"/>
+            <a:off x="0" y="2621368"/>
             <a:ext cx="12192000" cy="1329595"/>
           </a:xfrm>
         </p:spPr>
@@ -4741,7 +4741,7 @@
                   <a:schemeClr val="bg1"/>
                 </a:solidFill>
               </a:rPr>
-              <a:t>Hash-breaker</a:t>
+              <a:t>Hash-Breaker</a:t>
             </a:r>
             <a:br>
               <a:rPr lang="it-IT" dirty="0">
@@ -4751,7 +4751,7 @@
               </a:rPr>
             </a:br>
             <a:r>
-              <a:rPr lang="it-IT" sz="3600" dirty="0" err="1">
+              <a:rPr lang="it-IT" sz="3600" b="1" dirty="0" err="1">
                 <a:solidFill>
                   <a:schemeClr val="accent4"/>
                 </a:solidFill>
@@ -4759,7 +4759,7 @@
               <a:t>Concurrent</a:t>
             </a:r>
             <a:r>
-              <a:rPr lang="it-IT" sz="3600" dirty="0">
+              <a:rPr lang="it-IT" sz="3600" b="1" dirty="0">
                 <a:solidFill>
                   <a:schemeClr val="accent4"/>
                 </a:solidFill>
@@ -4767,7 +4767,7 @@
               <a:t> and </a:t>
             </a:r>
             <a:r>
-              <a:rPr lang="it-IT" sz="3600" dirty="0" err="1">
+              <a:rPr lang="it-IT" sz="3600" b="1" dirty="0" err="1">
                 <a:solidFill>
                   <a:schemeClr val="accent4"/>
                 </a:solidFill>
@@ -4775,12 +4775,20 @@
               <a:t>distributed</a:t>
             </a:r>
             <a:r>
+              <a:rPr lang="it-IT" sz="3600" b="1" dirty="0">
+                <a:solidFill>
+                  <a:schemeClr val="accent4"/>
+                </a:solidFill>
+              </a:rPr>
+              <a:t> Systems  </a:t>
+            </a:r>
+            <a:r>
               <a:rPr lang="it-IT" sz="3600" dirty="0">
                 <a:solidFill>
                   <a:schemeClr val="accent4"/>
                 </a:solidFill>
               </a:rPr>
-              <a:t> Systems | AA 2019/20</a:t>
+              <a:t>AY 2019/20</a:t>
             </a:r>
             <a:endParaRPr lang="it-IT" dirty="0">
               <a:solidFill>
@@ -4914,7 +4922,7 @@
         </p:nvGrpSpPr>
         <p:grpSpPr>
           <a:xfrm>
-            <a:off x="5851021" y="3724968"/>
+            <a:off x="5851021" y="4451184"/>
             <a:ext cx="489958" cy="492680"/>
             <a:chOff x="2025650" y="4786313"/>
             <a:chExt cx="285750" cy="287338"/>
@@ -6156,8 +6164,8 @@
         </p:nvSpPr>
         <p:spPr>
           <a:xfrm>
-            <a:off x="146988" y="6131185"/>
-            <a:ext cx="12192000" cy="387798"/>
+            <a:off x="0" y="6131185"/>
+            <a:ext cx="12192000" cy="498598"/>
           </a:xfrm>
           <a:prstGeom prst="rect">
             <a:avLst/>
@@ -6188,14 +6196,24 @@
           </a:lstStyle>
           <a:p>
             <a:r>
-              <a:rPr lang="it-IT" sz="2800" dirty="0">
+              <a:rPr lang="it-IT" sz="1800" b="1" dirty="0">
                 <a:solidFill>
                   <a:schemeClr val="bg1"/>
                 </a:solidFill>
               </a:rPr>
-              <a:t>Filippo Scotto, Luigi Treccozzi</a:t>
+              <a:t>Filippo Scotto</a:t>
             </a:r>
-            <a:endParaRPr lang="it-IT" sz="2800" dirty="0">
+          </a:p>
+          <a:p>
+            <a:r>
+              <a:rPr lang="it-IT" sz="1800" b="1" dirty="0">
+                <a:solidFill>
+                  <a:schemeClr val="bg1"/>
+                </a:solidFill>
+              </a:rPr>
+              <a:t> Luigi Treccozzi</a:t>
+            </a:r>
+            <a:endParaRPr lang="it-IT" sz="1800" b="1" dirty="0">
               <a:solidFill>
                 <a:schemeClr val="accent4"/>
               </a:solidFill>
@@ -6732,7 +6750,7 @@
             <a:pPr algn="ctr" rtl="0"/>
             <a:r>
               <a:rPr lang="it-IT" sz="1600" dirty="0"/>
-              <a:t>TECHNOLOGIES USED</a:t>
+              <a:t>USED TECHNOLOGIES</a:t>
             </a:r>
           </a:p>
         </p:txBody>
@@ -15200,6 +15218,17 @@
           <a:p>
             <a:pPr algn="ctr" rtl="0"/>
             <a:r>
+              <a:rPr lang="it-IT" sz="2800" b="1" dirty="0" err="1">
+                <a:solidFill>
+                  <a:schemeClr val="tx1">
+                    <a:lumMod val="75000"/>
+                    <a:lumOff val="25000"/>
+                  </a:schemeClr>
+                </a:solidFill>
+              </a:rPr>
+              <a:t>Used</a:t>
+            </a:r>
+            <a:r>
               <a:rPr lang="it-IT" sz="2800" b="1" dirty="0">
                 <a:solidFill>
                   <a:schemeClr val="tx1">
@@ -15208,18 +15237,7 @@
                   </a:schemeClr>
                 </a:solidFill>
               </a:rPr>
-              <a:t>Technologies </a:t>
-            </a:r>
-            <a:r>
-              <a:rPr lang="it-IT" sz="2800" b="1" dirty="0" err="1">
-                <a:solidFill>
-                  <a:schemeClr val="tx1">
-                    <a:lumMod val="75000"/>
-                    <a:lumOff val="25000"/>
-                  </a:schemeClr>
-                </a:solidFill>
-              </a:rPr>
-              <a:t>used</a:t>
+              <a:t> Technologies</a:t>
             </a:r>
             <a:endParaRPr lang="it-IT" sz="2800" dirty="0">
               <a:solidFill>

--- a/Distributed Hash-breaker.pptx
+++ b/Distributed Hash-breaker.pptx
@@ -262,7 +262,7 @@
             <a:pPr rtl="0"/>
             <a:fld id="{EB190EFE-CCCB-4DCD-B1CF-8C3CB119D6FE}" type="datetime1">
               <a:rPr lang="it-IT" smtClean="0"/>
-              <a:t>10/12/19</a:t>
+              <a:t>22/04/20</a:t>
             </a:fld>
             <a:endParaRPr lang="it-IT" dirty="0"/>
           </a:p>
@@ -443,7 +443,7 @@
             <a:fld id="{526AC070-77AE-44FC-B0C8-108B581F9765}" type="datetime1">
               <a:rPr lang="it-IT" noProof="0" smtClean="0"/>
               <a:pPr/>
-              <a:t>10/12/19</a:t>
+              <a:t>22/04/20</a:t>
             </a:fld>
             <a:endParaRPr lang="it-IT" noProof="0" dirty="0"/>
           </a:p>
@@ -2190,7 +2190,7 @@
             <a:pPr rtl="0"/>
             <a:fld id="{73953276-A596-464E-8131-16FDC4642D35}" type="datetime1">
               <a:rPr lang="it-IT" noProof="0" smtClean="0"/>
-              <a:t>10/12/19</a:t>
+              <a:t>22/04/20</a:t>
             </a:fld>
             <a:endParaRPr lang="it-IT" noProof="0" dirty="0"/>
           </a:p>
@@ -2394,7 +2394,7 @@
             <a:pPr rtl="0"/>
             <a:fld id="{59F66E3F-D06F-47DA-A95C-C846DE23F8C0}" type="datetime1">
               <a:rPr lang="it-IT" noProof="0" smtClean="0"/>
-              <a:t>10/12/19</a:t>
+              <a:t>22/04/20</a:t>
             </a:fld>
             <a:endParaRPr lang="it-IT" noProof="0" dirty="0"/>
           </a:p>
@@ -2608,7 +2608,7 @@
             <a:pPr rtl="0"/>
             <a:fld id="{46FE6513-E3C7-4048-AC2F-41B0D1F6D895}" type="datetime1">
               <a:rPr lang="it-IT" noProof="0" smtClean="0"/>
-              <a:t>10/12/19</a:t>
+              <a:t>22/04/20</a:t>
             </a:fld>
             <a:endParaRPr lang="it-IT" noProof="0" dirty="0"/>
           </a:p>
@@ -2812,7 +2812,7 @@
             <a:pPr rtl="0"/>
             <a:fld id="{4CA1E7DF-6F8F-47CE-8C70-53A994FBF180}" type="datetime1">
               <a:rPr lang="it-IT" noProof="0" smtClean="0"/>
-              <a:t>10/12/19</a:t>
+              <a:t>22/04/20</a:t>
             </a:fld>
             <a:endParaRPr lang="it-IT" noProof="0" dirty="0"/>
           </a:p>
@@ -3092,7 +3092,7 @@
             <a:pPr rtl="0"/>
             <a:fld id="{2CFB8710-ABAB-4285-AF31-02779743E1F4}" type="datetime1">
               <a:rPr lang="it-IT" noProof="0" smtClean="0"/>
-              <a:t>10/12/19</a:t>
+              <a:t>22/04/20</a:t>
             </a:fld>
             <a:endParaRPr lang="it-IT" noProof="0" dirty="0"/>
           </a:p>
@@ -3364,7 +3364,7 @@
             <a:pPr rtl="0"/>
             <a:fld id="{FE1FD3F1-0F70-4F3C-841E-3B4B1A9982AD}" type="datetime1">
               <a:rPr lang="it-IT" noProof="0" smtClean="0"/>
-              <a:t>10/12/19</a:t>
+              <a:t>22/04/20</a:t>
             </a:fld>
             <a:endParaRPr lang="it-IT" noProof="0" dirty="0"/>
           </a:p>
@@ -3783,7 +3783,7 @@
             <a:pPr rtl="0"/>
             <a:fld id="{3195CD94-E959-4436-A899-6BFB5CD81E9E}" type="datetime1">
               <a:rPr lang="it-IT" noProof="0" smtClean="0"/>
-              <a:t>10/12/19</a:t>
+              <a:t>22/04/20</a:t>
             </a:fld>
             <a:endParaRPr lang="it-IT" noProof="0" dirty="0"/>
           </a:p>
@@ -3929,7 +3929,7 @@
             <a:pPr rtl="0"/>
             <a:fld id="{327B0C7F-749B-466A-A38A-03B1C8A2F06C}" type="datetime1">
               <a:rPr lang="it-IT" noProof="0" smtClean="0"/>
-              <a:t>10/12/19</a:t>
+              <a:t>22/04/20</a:t>
             </a:fld>
             <a:endParaRPr lang="it-IT" noProof="0" dirty="0"/>
           </a:p>
@@ -4045,7 +4045,7 @@
             <a:pPr rtl="0"/>
             <a:fld id="{DEC309BE-2E90-45F2-A626-98CE1308C9C4}" type="datetime1">
               <a:rPr lang="it-IT" noProof="0" smtClean="0"/>
-              <a:t>10/12/19</a:t>
+              <a:t>22/04/20</a:t>
             </a:fld>
             <a:endParaRPr lang="it-IT" noProof="0" dirty="0"/>
           </a:p>
@@ -4362,7 +4362,7 @@
             <a:pPr rtl="0"/>
             <a:fld id="{D7D791A9-9A19-4C7D-9EDF-F6B9F670B73C}" type="datetime1">
               <a:rPr lang="it-IT" noProof="0" smtClean="0"/>
-              <a:t>10/12/19</a:t>
+              <a:t>22/04/20</a:t>
             </a:fld>
             <a:endParaRPr lang="it-IT" noProof="0" dirty="0"/>
           </a:p>
@@ -4660,7 +4660,7 @@
             <a:pPr rtl="0"/>
             <a:fld id="{1C87147A-BE07-4D89-850F-642EAF1AAEA9}" type="datetime1">
               <a:rPr lang="it-IT" noProof="0" smtClean="0"/>
-              <a:t>10/12/19</a:t>
+              <a:t>22/04/20</a:t>
             </a:fld>
             <a:endParaRPr lang="it-IT" noProof="0" dirty="0"/>
           </a:p>
@@ -4905,7 +4905,7 @@
             <a:pPr rtl="0"/>
             <a:fld id="{750AD8DE-E201-43F1-B9CB-48547493CA6A}" type="datetime1">
               <a:rPr lang="it-IT" noProof="0" smtClean="0"/>
-              <a:t>10/12/19</a:t>
+              <a:t>22/04/20</a:t>
             </a:fld>
             <a:endParaRPr lang="it-IT" noProof="0" dirty="0"/>
           </a:p>
@@ -8361,7 +8361,7 @@
         <p:spPr>
           <a:xfrm>
             <a:off x="425180" y="3821132"/>
-            <a:ext cx="2233112" cy="1015663"/>
+            <a:ext cx="2117696" cy="1015663"/>
           </a:xfrm>
           <a:prstGeom prst="rect">
             <a:avLst/>
@@ -8392,9 +8392,9 @@
             </a:r>
           </a:p>
           <a:p>
-            <a:pPr marL="285750" indent="-285750">
-              <a:buFont typeface="Arial" panose="020B0604020202020204" pitchFamily="34" charset="0"/>
-              <a:buChar char="•"/>
+            <a:pPr marL="171450" indent="-171450">
+              <a:buFont typeface="Wingdings" pitchFamily="2" charset="2"/>
+              <a:buChar char="§"/>
             </a:pPr>
             <a:r>
               <a:rPr lang="it-IT" sz="1200" b="1" dirty="0" err="1"/>
@@ -8419,9 +8419,9 @@
             <a:endParaRPr lang="it-IT" sz="1200" dirty="0"/>
           </a:p>
           <a:p>
-            <a:pPr marL="285750" indent="-285750">
-              <a:buFont typeface="Arial" panose="020B0604020202020204" pitchFamily="34" charset="0"/>
-              <a:buChar char="•"/>
+            <a:pPr marL="171450" indent="-171450">
+              <a:buFont typeface="Wingdings" pitchFamily="2" charset="2"/>
+              <a:buChar char="§"/>
             </a:pPr>
             <a:r>
               <a:rPr lang="it-IT" sz="1200" b="1" dirty="0"/>
@@ -8438,9 +8438,9 @@
             <a:endParaRPr lang="it-IT" sz="1200" dirty="0"/>
           </a:p>
           <a:p>
-            <a:pPr marL="285750" indent="-285750">
-              <a:buFont typeface="Arial" panose="020B0604020202020204" pitchFamily="34" charset="0"/>
-              <a:buChar char="•"/>
+            <a:pPr marL="171450" indent="-171450">
+              <a:buFont typeface="Wingdings" pitchFamily="2" charset="2"/>
+              <a:buChar char="§"/>
             </a:pPr>
             <a:r>
               <a:rPr lang="it-IT" sz="1200" b="1" dirty="0"/>
@@ -8457,9 +8457,9 @@
             <a:endParaRPr lang="it-IT" sz="1200" dirty="0"/>
           </a:p>
           <a:p>
-            <a:pPr marL="285750" indent="-285750">
-              <a:buFont typeface="Arial" panose="020B0604020202020204" pitchFamily="34" charset="0"/>
-              <a:buChar char="•"/>
+            <a:pPr marL="171450" indent="-171450">
+              <a:buFont typeface="Wingdings" pitchFamily="2" charset="2"/>
+              <a:buChar char="§"/>
             </a:pPr>
             <a:r>
               <a:rPr lang="it-IT" sz="1200" b="1" dirty="0" err="1"/>
@@ -8607,7 +8607,7 @@
         </p:nvSpPr>
         <p:spPr>
           <a:xfrm>
-            <a:off x="9958888" y="3179813"/>
+            <a:off x="9979074" y="3159223"/>
             <a:ext cx="1253420" cy="461665"/>
           </a:xfrm>
           <a:prstGeom prst="rect">
@@ -8713,7 +8713,7 @@
         </p:nvSpPr>
         <p:spPr>
           <a:xfrm>
-            <a:off x="9979076" y="1600262"/>
+            <a:off x="9979074" y="1574357"/>
             <a:ext cx="1386213" cy="276999"/>
           </a:xfrm>
           <a:prstGeom prst="rect">
@@ -20506,15 +20506,7 @@
             </a:r>
             <a:r>
               <a:rPr lang="it-IT" sz="2800" dirty="0"/>
-              <a:t> a </a:t>
-            </a:r>
-            <a:r>
-              <a:rPr lang="it-IT" sz="2800" dirty="0" err="1"/>
-              <a:t>distributed</a:t>
-            </a:r>
-            <a:r>
-              <a:rPr lang="it-IT" sz="2800" dirty="0"/>
-              <a:t> </a:t>
+              <a:t> an </a:t>
             </a:r>
             <a:r>
               <a:rPr lang="it-IT" sz="2800" dirty="0" err="1"/>
@@ -20522,15 +20514,7 @@
             </a:r>
             <a:r>
               <a:rPr lang="it-IT" sz="2800" dirty="0"/>
-              <a:t> </a:t>
-            </a:r>
-            <a:r>
-              <a:rPr lang="it-IT" sz="2800" dirty="0" err="1"/>
-              <a:t>against</a:t>
-            </a:r>
-            <a:r>
-              <a:rPr lang="it-IT" sz="2800" dirty="0"/>
-              <a:t> a </a:t>
+              <a:t> on a </a:t>
             </a:r>
             <a:r>
               <a:rPr lang="it-IT" sz="2800" dirty="0" err="1"/>

--- a/Distributed Hash-breaker.pptx
+++ b/Distributed Hash-breaker.pptx
@@ -265,7 +265,7 @@
             <a:pPr rtl="0"/>
             <a:fld id="{EB190EFE-CCCB-4DCD-B1CF-8C3CB119D6FE}" type="datetime1">
               <a:rPr lang="it-IT" smtClean="0"/>
-              <a:t>21/05/2020</a:t>
+              <a:t>21/05/20</a:t>
             </a:fld>
             <a:endParaRPr lang="it-IT" dirty="0"/>
           </a:p>
@@ -345,7 +345,7 @@
             <a:pPr rtl="0"/>
             <a:fld id="{B4E85F6F-0FAD-4AD4-850C-7E4CD14D7D70}" type="slidenum">
               <a:rPr lang="it-IT" smtClean="0"/>
-              <a:t>‹#›</a:t>
+              <a:t>‹N›</a:t>
             </a:fld>
             <a:endParaRPr lang="it-IT" dirty="0"/>
           </a:p>
@@ -446,7 +446,7 @@
             <a:fld id="{526AC070-77AE-44FC-B0C8-108B581F9765}" type="datetime1">
               <a:rPr lang="it-IT" noProof="0" smtClean="0"/>
               <a:pPr/>
-              <a:t>21/05/2020</a:t>
+              <a:t>21/05/20</a:t>
             </a:fld>
             <a:endParaRPr lang="it-IT" noProof="0" dirty="0"/>
           </a:p>
@@ -607,7 +607,7 @@
             <a:pPr rtl="0"/>
             <a:fld id="{BE60DC36-8EFA-4378-9855-E019C55AC472}" type="slidenum">
               <a:rPr lang="it-IT" noProof="0" smtClean="0"/>
-              <a:t>‹#›</a:t>
+              <a:t>‹N›</a:t>
             </a:fld>
             <a:endParaRPr lang="it-IT" noProof="0" dirty="0"/>
           </a:p>
@@ -2451,7 +2451,7 @@
             <a:pPr rtl="0"/>
             <a:fld id="{73953276-A596-464E-8131-16FDC4642D35}" type="datetime1">
               <a:rPr lang="it-IT" noProof="0" smtClean="0"/>
-              <a:t>21/05/2020</a:t>
+              <a:t>21/05/20</a:t>
             </a:fld>
             <a:endParaRPr lang="it-IT" noProof="0" dirty="0"/>
           </a:p>
@@ -2507,7 +2507,7 @@
             <a:pPr rtl="0"/>
             <a:fld id="{06FEDF93-2BFD-41CA-ABC7-B039102F3792}" type="slidenum">
               <a:rPr lang="it-IT" noProof="0" smtClean="0"/>
-              <a:t>‹#›</a:t>
+              <a:t>‹N›</a:t>
             </a:fld>
             <a:endParaRPr lang="it-IT" noProof="0" dirty="0"/>
           </a:p>
@@ -2655,7 +2655,7 @@
             <a:pPr rtl="0"/>
             <a:fld id="{59F66E3F-D06F-47DA-A95C-C846DE23F8C0}" type="datetime1">
               <a:rPr lang="it-IT" noProof="0" smtClean="0"/>
-              <a:t>21/05/2020</a:t>
+              <a:t>21/05/20</a:t>
             </a:fld>
             <a:endParaRPr lang="it-IT" noProof="0" dirty="0"/>
           </a:p>
@@ -2711,7 +2711,7 @@
             <a:pPr rtl="0"/>
             <a:fld id="{06FEDF93-2BFD-41CA-ABC7-B039102F3792}" type="slidenum">
               <a:rPr lang="it-IT" noProof="0" smtClean="0"/>
-              <a:t>‹#›</a:t>
+              <a:t>‹N›</a:t>
             </a:fld>
             <a:endParaRPr lang="it-IT" noProof="0" dirty="0"/>
           </a:p>
@@ -2869,7 +2869,7 @@
             <a:pPr rtl="0"/>
             <a:fld id="{46FE6513-E3C7-4048-AC2F-41B0D1F6D895}" type="datetime1">
               <a:rPr lang="it-IT" noProof="0" smtClean="0"/>
-              <a:t>21/05/2020</a:t>
+              <a:t>21/05/20</a:t>
             </a:fld>
             <a:endParaRPr lang="it-IT" noProof="0" dirty="0"/>
           </a:p>
@@ -2925,7 +2925,7 @@
             <a:pPr rtl="0"/>
             <a:fld id="{06FEDF93-2BFD-41CA-ABC7-B039102F3792}" type="slidenum">
               <a:rPr lang="it-IT" noProof="0" smtClean="0"/>
-              <a:t>‹#›</a:t>
+              <a:t>‹N›</a:t>
             </a:fld>
             <a:endParaRPr lang="it-IT" noProof="0" dirty="0"/>
           </a:p>
@@ -3073,7 +3073,7 @@
             <a:pPr rtl="0"/>
             <a:fld id="{4CA1E7DF-6F8F-47CE-8C70-53A994FBF180}" type="datetime1">
               <a:rPr lang="it-IT" noProof="0" smtClean="0"/>
-              <a:t>21/05/2020</a:t>
+              <a:t>21/05/20</a:t>
             </a:fld>
             <a:endParaRPr lang="it-IT" noProof="0" dirty="0"/>
           </a:p>
@@ -3129,7 +3129,7 @@
             <a:pPr rtl="0"/>
             <a:fld id="{06FEDF93-2BFD-41CA-ABC7-B039102F3792}" type="slidenum">
               <a:rPr lang="it-IT" noProof="0" smtClean="0"/>
-              <a:t>‹#›</a:t>
+              <a:t>‹N›</a:t>
             </a:fld>
             <a:endParaRPr lang="it-IT" noProof="0" dirty="0"/>
           </a:p>
@@ -3353,7 +3353,7 @@
             <a:pPr rtl="0"/>
             <a:fld id="{2CFB8710-ABAB-4285-AF31-02779743E1F4}" type="datetime1">
               <a:rPr lang="it-IT" noProof="0" smtClean="0"/>
-              <a:t>21/05/2020</a:t>
+              <a:t>21/05/20</a:t>
             </a:fld>
             <a:endParaRPr lang="it-IT" noProof="0" dirty="0"/>
           </a:p>
@@ -3409,7 +3409,7 @@
             <a:pPr rtl="0"/>
             <a:fld id="{06FEDF93-2BFD-41CA-ABC7-B039102F3792}" type="slidenum">
               <a:rPr lang="it-IT" noProof="0" smtClean="0"/>
-              <a:t>‹#›</a:t>
+              <a:t>‹N›</a:t>
             </a:fld>
             <a:endParaRPr lang="it-IT" noProof="0" dirty="0"/>
           </a:p>
@@ -3625,7 +3625,7 @@
             <a:pPr rtl="0"/>
             <a:fld id="{FE1FD3F1-0F70-4F3C-841E-3B4B1A9982AD}" type="datetime1">
               <a:rPr lang="it-IT" noProof="0" smtClean="0"/>
-              <a:t>21/05/2020</a:t>
+              <a:t>21/05/20</a:t>
             </a:fld>
             <a:endParaRPr lang="it-IT" noProof="0" dirty="0"/>
           </a:p>
@@ -3681,7 +3681,7 @@
             <a:pPr rtl="0"/>
             <a:fld id="{06FEDF93-2BFD-41CA-ABC7-B039102F3792}" type="slidenum">
               <a:rPr lang="it-IT" noProof="0" smtClean="0"/>
-              <a:t>‹#›</a:t>
+              <a:t>‹N›</a:t>
             </a:fld>
             <a:endParaRPr lang="it-IT" noProof="0" dirty="0"/>
           </a:p>
@@ -4044,7 +4044,7 @@
             <a:pPr rtl="0"/>
             <a:fld id="{3195CD94-E959-4436-A899-6BFB5CD81E9E}" type="datetime1">
               <a:rPr lang="it-IT" noProof="0" smtClean="0"/>
-              <a:t>21/05/2020</a:t>
+              <a:t>21/05/20</a:t>
             </a:fld>
             <a:endParaRPr lang="it-IT" noProof="0" dirty="0"/>
           </a:p>
@@ -4100,7 +4100,7 @@
             <a:pPr rtl="0"/>
             <a:fld id="{06FEDF93-2BFD-41CA-ABC7-B039102F3792}" type="slidenum">
               <a:rPr lang="it-IT" noProof="0" smtClean="0"/>
-              <a:t>‹#›</a:t>
+              <a:t>‹N›</a:t>
             </a:fld>
             <a:endParaRPr lang="it-IT" noProof="0" dirty="0"/>
           </a:p>
@@ -4190,7 +4190,7 @@
             <a:pPr rtl="0"/>
             <a:fld id="{327B0C7F-749B-466A-A38A-03B1C8A2F06C}" type="datetime1">
               <a:rPr lang="it-IT" noProof="0" smtClean="0"/>
-              <a:t>21/05/2020</a:t>
+              <a:t>21/05/20</a:t>
             </a:fld>
             <a:endParaRPr lang="it-IT" noProof="0" dirty="0"/>
           </a:p>
@@ -4246,7 +4246,7 @@
             <a:pPr rtl="0"/>
             <a:fld id="{06FEDF93-2BFD-41CA-ABC7-B039102F3792}" type="slidenum">
               <a:rPr lang="it-IT" noProof="0" smtClean="0"/>
-              <a:t>‹#›</a:t>
+              <a:t>‹N›</a:t>
             </a:fld>
             <a:endParaRPr lang="it-IT" noProof="0" dirty="0"/>
           </a:p>
@@ -4306,7 +4306,7 @@
             <a:pPr rtl="0"/>
             <a:fld id="{DEC309BE-2E90-45F2-A626-98CE1308C9C4}" type="datetime1">
               <a:rPr lang="it-IT" noProof="0" smtClean="0"/>
-              <a:t>21/05/2020</a:t>
+              <a:t>21/05/20</a:t>
             </a:fld>
             <a:endParaRPr lang="it-IT" noProof="0" dirty="0"/>
           </a:p>
@@ -4362,7 +4362,7 @@
             <a:pPr rtl="0"/>
             <a:fld id="{06FEDF93-2BFD-41CA-ABC7-B039102F3792}" type="slidenum">
               <a:rPr lang="it-IT" noProof="0" smtClean="0"/>
-              <a:t>‹#›</a:t>
+              <a:t>‹N›</a:t>
             </a:fld>
             <a:endParaRPr lang="it-IT" noProof="0" dirty="0"/>
           </a:p>
@@ -4623,7 +4623,7 @@
             <a:pPr rtl="0"/>
             <a:fld id="{D7D791A9-9A19-4C7D-9EDF-F6B9F670B73C}" type="datetime1">
               <a:rPr lang="it-IT" noProof="0" smtClean="0"/>
-              <a:t>21/05/2020</a:t>
+              <a:t>21/05/20</a:t>
             </a:fld>
             <a:endParaRPr lang="it-IT" noProof="0" dirty="0"/>
           </a:p>
@@ -4679,7 +4679,7 @@
             <a:pPr rtl="0"/>
             <a:fld id="{06FEDF93-2BFD-41CA-ABC7-B039102F3792}" type="slidenum">
               <a:rPr lang="it-IT" noProof="0" smtClean="0"/>
-              <a:t>‹#›</a:t>
+              <a:t>‹N›</a:t>
             </a:fld>
             <a:endParaRPr lang="it-IT" noProof="0" dirty="0"/>
           </a:p>
@@ -4921,7 +4921,7 @@
             <a:pPr rtl="0"/>
             <a:fld id="{1C87147A-BE07-4D89-850F-642EAF1AAEA9}" type="datetime1">
               <a:rPr lang="it-IT" noProof="0" smtClean="0"/>
-              <a:t>21/05/2020</a:t>
+              <a:t>21/05/20</a:t>
             </a:fld>
             <a:endParaRPr lang="it-IT" noProof="0" dirty="0"/>
           </a:p>
@@ -4977,7 +4977,7 @@
             <a:pPr rtl="0"/>
             <a:fld id="{06FEDF93-2BFD-41CA-ABC7-B039102F3792}" type="slidenum">
               <a:rPr lang="it-IT" noProof="0" smtClean="0"/>
-              <a:t>‹#›</a:t>
+              <a:t>‹N›</a:t>
             </a:fld>
             <a:endParaRPr lang="it-IT" noProof="0" dirty="0"/>
           </a:p>
@@ -5166,7 +5166,7 @@
             <a:pPr rtl="0"/>
             <a:fld id="{750AD8DE-E201-43F1-B9CB-48547493CA6A}" type="datetime1">
               <a:rPr lang="it-IT" noProof="0" smtClean="0"/>
-              <a:t>21/05/2020</a:t>
+              <a:t>21/05/20</a:t>
             </a:fld>
             <a:endParaRPr lang="it-IT" noProof="0" dirty="0"/>
           </a:p>
@@ -5258,7 +5258,7 @@
             <a:pPr rtl="0"/>
             <a:fld id="{06FEDF93-2BFD-41CA-ABC7-B039102F3792}" type="slidenum">
               <a:rPr lang="it-IT" noProof="0" smtClean="0"/>
-              <a:t>‹#›</a:t>
+              <a:t>‹N›</a:t>
             </a:fld>
             <a:endParaRPr lang="it-IT" noProof="0" dirty="0"/>
           </a:p>
@@ -27629,7 +27629,7 @@
             </a:r>
             <a:r>
               <a:rPr lang="it-IT" sz="2800" b="1" dirty="0" err="1"/>
-              <a:t>bucke</a:t>
+              <a:t>bucket</a:t>
             </a:r>
             <a:r>
               <a:rPr lang="it-IT" sz="2800" b="1" dirty="0"/>
